--- a/Advance Software Engineering/Lecture Notes/Syllabus.pptx
+++ b/Advance Software Engineering/Lecture Notes/Syllabus.pptx
@@ -129,7 +129,7 @@
   </p:defaultTextStyle>
   <p:extLst>
     <p:ext uri="{EFAFB233-063F-42B5-8137-9DF3F51BA10A}">
-      <p15:sldGuideLst xmlns:p15="http://schemas.microsoft.com/office/powerpoint/2012/main" xmlns="">
+      <p15:sldGuideLst xmlns:p15="http://schemas.microsoft.com/office/powerpoint/2012/main">
         <p15:guide id="1" orient="horz" pos="2160">
           <p15:clr>
             <a:srgbClr val="A4A3A4"/>
@@ -228,7 +228,7 @@
           <a:p>
             <a:fld id="{0DE3A518-AF57-F940-9409-736D7B325AF0}" type="datetimeFigureOut">
               <a:rPr lang="en-US" smtClean="0"/>
-              <a:t>1/12/15</a:t>
+              <a:t>1/14/2015</a:t>
             </a:fld>
             <a:endParaRPr lang="en-US"/>
           </a:p>
@@ -630,7 +630,7 @@
           <a:p>
             <a:fld id="{54AB02A5-4FE5-49D9-9E24-09F23B90C450}" type="datetimeFigureOut">
               <a:rPr lang="en-US" smtClean="0"/>
-              <a:t>1/12/15</a:t>
+              <a:t>1/14/2015</a:t>
             </a:fld>
             <a:endParaRPr lang="en-US"/>
           </a:p>
@@ -943,7 +943,7 @@
           <a:p>
             <a:fld id="{54AB02A5-4FE5-49D9-9E24-09F23B90C450}" type="datetimeFigureOut">
               <a:rPr lang="en-US" smtClean="0"/>
-              <a:t>1/12/15</a:t>
+              <a:t>1/14/2015</a:t>
             </a:fld>
             <a:endParaRPr lang="en-US"/>
           </a:p>
@@ -1128,7 +1128,7 @@
           <a:p>
             <a:fld id="{54AB02A5-4FE5-49D9-9E24-09F23B90C450}" type="datetimeFigureOut">
               <a:rPr lang="en-US" smtClean="0"/>
-              <a:t>1/12/15</a:t>
+              <a:t>1/14/2015</a:t>
             </a:fld>
             <a:endParaRPr lang="en-US"/>
           </a:p>
@@ -1303,7 +1303,7 @@
           <a:p>
             <a:fld id="{54AB02A5-4FE5-49D9-9E24-09F23B90C450}" type="datetimeFigureOut">
               <a:rPr lang="en-US" smtClean="0"/>
-              <a:t>1/12/15</a:t>
+              <a:t>1/14/2015</a:t>
             </a:fld>
             <a:endParaRPr lang="en-US"/>
           </a:p>
@@ -1571,7 +1571,7 @@
           <a:p>
             <a:fld id="{54AB02A5-4FE5-49D9-9E24-09F23B90C450}" type="datetimeFigureOut">
               <a:rPr lang="en-US" smtClean="0"/>
-              <a:t>1/12/15</a:t>
+              <a:t>1/14/2015</a:t>
             </a:fld>
             <a:endParaRPr lang="en-US"/>
           </a:p>
@@ -2039,7 +2039,7 @@
           <a:p>
             <a:fld id="{54AB02A5-4FE5-49D9-9E24-09F23B90C450}" type="datetimeFigureOut">
               <a:rPr lang="en-US" smtClean="0"/>
-              <a:t>1/12/15</a:t>
+              <a:t>1/14/2015</a:t>
             </a:fld>
             <a:endParaRPr lang="en-US"/>
           </a:p>
@@ -2528,7 +2528,7 @@
           <a:p>
             <a:fld id="{54AB02A5-4FE5-49D9-9E24-09F23B90C450}" type="datetimeFigureOut">
               <a:rPr lang="en-US" smtClean="0"/>
-              <a:t>1/12/15</a:t>
+              <a:t>1/14/2015</a:t>
             </a:fld>
             <a:endParaRPr lang="en-US"/>
           </a:p>
@@ -2654,7 +2654,7 @@
           <a:p>
             <a:fld id="{54AB02A5-4FE5-49D9-9E24-09F23B90C450}" type="datetimeFigureOut">
               <a:rPr lang="en-US" smtClean="0"/>
-              <a:t>1/12/15</a:t>
+              <a:t>1/14/2015</a:t>
             </a:fld>
             <a:endParaRPr lang="en-US"/>
           </a:p>
@@ -2798,7 +2798,7 @@
           <a:p>
             <a:fld id="{54AB02A5-4FE5-49D9-9E24-09F23B90C450}" type="datetimeFigureOut">
               <a:rPr lang="en-US" smtClean="0"/>
-              <a:t>1/12/15</a:t>
+              <a:t>1/14/2015</a:t>
             </a:fld>
             <a:endParaRPr lang="en-US"/>
           </a:p>
@@ -3120,7 +3120,7 @@
           <a:p>
             <a:fld id="{54AB02A5-4FE5-49D9-9E24-09F23B90C450}" type="datetimeFigureOut">
               <a:rPr lang="en-US" smtClean="0"/>
-              <a:t>1/12/15</a:t>
+              <a:t>1/14/2015</a:t>
             </a:fld>
             <a:endParaRPr lang="en-US"/>
           </a:p>
@@ -3254,7 +3254,7 @@
           <a:p>
             <a:fld id="{54AB02A5-4FE5-49D9-9E24-09F23B90C450}" type="datetimeFigureOut">
               <a:rPr lang="en-US" smtClean="0"/>
-              <a:t>1/12/15</a:t>
+              <a:t>1/14/2015</a:t>
             </a:fld>
             <a:endParaRPr lang="en-US"/>
           </a:p>
@@ -4036,7 +4036,7 @@
             <a:pPr algn="r" eaLnBrk="1" latinLnBrk="0" hangingPunct="1"/>
             <a:fld id="{54AB02A5-4FE5-49D9-9E24-09F23B90C450}" type="datetimeFigureOut">
               <a:rPr lang="en-US" smtClean="0"/>
-              <a:t>1/12/15</a:t>
+              <a:t>1/14/2015</a:t>
             </a:fld>
             <a:endParaRPr lang="en-US" sz="1200">
               <a:solidFill>
@@ -4639,7 +4639,7 @@
   <p:timing>
     <p:tnLst>
       <p:par>
-        <p:cTn xmlns:p14="http://schemas.microsoft.com/office/powerpoint/2010/main" id="1" dur="indefinite" restart="never" nodeType="tmRoot"/>
+        <p:cTn id="1" dur="indefinite" restart="never" nodeType="tmRoot"/>
       </p:par>
     </p:tnLst>
   </p:timing>
@@ -4749,14 +4749,14 @@
           <a:ln/>
           <a:extLst>
             <a:ext uri="{909E8E84-426E-40dd-AFC4-6F175D3DCCD1}">
-              <a14:hiddenFill xmlns:a14="http://schemas.microsoft.com/office/drawing/2010/main">
+              <a14:hiddenFill xmlns:a14="http://schemas.microsoft.com/office/drawing/2010/main" xmlns="">
                 <a:solidFill>
                   <a:srgbClr val="FFFFFF"/>
                 </a:solidFill>
               </a14:hiddenFill>
             </a:ext>
             <a:ext uri="{91240B29-F687-4f45-9708-019B960494DF}">
-              <a14:hiddenLine xmlns:a14="http://schemas.microsoft.com/office/drawing/2010/main" w="9525">
+              <a14:hiddenLine xmlns:a14="http://schemas.microsoft.com/office/drawing/2010/main" xmlns="" w="9525">
                 <a:solidFill>
                   <a:srgbClr val="000000"/>
                 </a:solidFill>
@@ -4979,7 +4979,7 @@
   <p:timing>
     <p:tnLst>
       <p:par>
-        <p:cTn xmlns:p14="http://schemas.microsoft.com/office/powerpoint/2010/main" id="1" dur="indefinite" restart="never" nodeType="tmRoot"/>
+        <p:cTn id="1" dur="indefinite" restart="never" nodeType="tmRoot"/>
       </p:par>
     </p:tnLst>
   </p:timing>
@@ -5086,14 +5086,14 @@
           <a:ln/>
           <a:extLst>
             <a:ext uri="{909E8E84-426E-40dd-AFC4-6F175D3DCCD1}">
-              <a14:hiddenFill xmlns:a14="http://schemas.microsoft.com/office/drawing/2010/main">
+              <a14:hiddenFill xmlns:a14="http://schemas.microsoft.com/office/drawing/2010/main" xmlns="">
                 <a:solidFill>
                   <a:srgbClr val="FFFFFF"/>
                 </a:solidFill>
               </a14:hiddenFill>
             </a:ext>
             <a:ext uri="{91240B29-F687-4f45-9708-019B960494DF}">
-              <a14:hiddenLine xmlns:a14="http://schemas.microsoft.com/office/drawing/2010/main" w="9525">
+              <a14:hiddenLine xmlns:a14="http://schemas.microsoft.com/office/drawing/2010/main" xmlns="" w="9525">
                 <a:solidFill>
                   <a:srgbClr val="000000"/>
                 </a:solidFill>
@@ -5316,7 +5316,7 @@
   <p:timing>
     <p:tnLst>
       <p:par>
-        <p:cTn xmlns:p14="http://schemas.microsoft.com/office/powerpoint/2010/main" id="1" dur="indefinite" restart="never" nodeType="tmRoot"/>
+        <p:cTn id="1" dur="indefinite" restart="never" nodeType="tmRoot"/>
       </p:par>
     </p:tnLst>
   </p:timing>
@@ -5428,14 +5428,14 @@
           <a:ln/>
           <a:extLst>
             <a:ext uri="{909E8E84-426E-40dd-AFC4-6F175D3DCCD1}">
-              <a14:hiddenFill xmlns:a14="http://schemas.microsoft.com/office/drawing/2010/main">
+              <a14:hiddenFill xmlns:a14="http://schemas.microsoft.com/office/drawing/2010/main" xmlns="">
                 <a:solidFill>
                   <a:srgbClr val="FFFFFF"/>
                 </a:solidFill>
               </a14:hiddenFill>
             </a:ext>
             <a:ext uri="{91240B29-F687-4f45-9708-019B960494DF}">
-              <a14:hiddenLine xmlns:a14="http://schemas.microsoft.com/office/drawing/2010/main" w="9525">
+              <a14:hiddenLine xmlns:a14="http://schemas.microsoft.com/office/drawing/2010/main" xmlns="" w="9525">
                 <a:solidFill>
                   <a:srgbClr val="000000"/>
                 </a:solidFill>
@@ -5658,7 +5658,7 @@
   <p:timing>
     <p:tnLst>
       <p:par>
-        <p:cTn xmlns:p14="http://schemas.microsoft.com/office/powerpoint/2010/main" id="1" dur="indefinite" restart="never" nodeType="tmRoot">
+        <p:cTn id="1" dur="indefinite" restart="never" nodeType="tmRoot">
           <p:childTnLst>
             <p:seq concurrent="1" nextAc="seek">
               <p:cTn id="2" dur="indefinite" nodeType="mainSeq">
@@ -6171,14 +6171,14 @@
           <a:ln/>
           <a:extLst>
             <a:ext uri="{909E8E84-426E-40dd-AFC4-6F175D3DCCD1}">
-              <a14:hiddenFill xmlns:a14="http://schemas.microsoft.com/office/drawing/2010/main">
+              <a14:hiddenFill xmlns:a14="http://schemas.microsoft.com/office/drawing/2010/main" xmlns="">
                 <a:solidFill>
                   <a:srgbClr val="FFFFFF"/>
                 </a:solidFill>
               </a14:hiddenFill>
             </a:ext>
             <a:ext uri="{91240B29-F687-4f45-9708-019B960494DF}">
-              <a14:hiddenLine xmlns:a14="http://schemas.microsoft.com/office/drawing/2010/main" w="9525">
+              <a14:hiddenLine xmlns:a14="http://schemas.microsoft.com/office/drawing/2010/main" xmlns="" w="9525">
                 <a:solidFill>
                   <a:srgbClr val="000000"/>
                 </a:solidFill>
@@ -6321,7 +6321,7 @@
   <p:timing>
     <p:tnLst>
       <p:par>
-        <p:cTn xmlns:p14="http://schemas.microsoft.com/office/powerpoint/2010/main" id="1" dur="indefinite" restart="never" nodeType="tmRoot">
+        <p:cTn id="1" dur="indefinite" restart="never" nodeType="tmRoot">
           <p:childTnLst>
             <p:seq concurrent="1" nextAc="seek">
               <p:cTn id="2" dur="indefinite" nodeType="mainSeq">
@@ -7075,14 +7075,14 @@
           <a:ln/>
           <a:extLst>
             <a:ext uri="{909E8E84-426E-40dd-AFC4-6F175D3DCCD1}">
-              <a14:hiddenFill xmlns:a14="http://schemas.microsoft.com/office/drawing/2010/main">
+              <a14:hiddenFill xmlns:a14="http://schemas.microsoft.com/office/drawing/2010/main" xmlns="">
                 <a:solidFill>
                   <a:srgbClr val="FFFFFF"/>
                 </a:solidFill>
               </a14:hiddenFill>
             </a:ext>
             <a:ext uri="{91240B29-F687-4f45-9708-019B960494DF}">
-              <a14:hiddenLine xmlns:a14="http://schemas.microsoft.com/office/drawing/2010/main" w="9525">
+              <a14:hiddenLine xmlns:a14="http://schemas.microsoft.com/office/drawing/2010/main" xmlns="" w="9525">
                 <a:solidFill>
                   <a:srgbClr val="000000"/>
                 </a:solidFill>
@@ -7305,7 +7305,7 @@
   <p:timing>
     <p:tnLst>
       <p:par>
-        <p:cTn xmlns:p14="http://schemas.microsoft.com/office/powerpoint/2010/main" id="1" dur="indefinite" restart="never" nodeType="tmRoot"/>
+        <p:cTn id="1" dur="indefinite" restart="never" nodeType="tmRoot"/>
       </p:par>
     </p:tnLst>
   </p:timing>
@@ -7372,7 +7372,7 @@
   <p:timing>
     <p:tnLst>
       <p:par>
-        <p:cTn xmlns:p14="http://schemas.microsoft.com/office/powerpoint/2010/main" id="1" dur="indefinite" restart="never" nodeType="tmRoot"/>
+        <p:cTn id="1" dur="indefinite" restart="never" nodeType="tmRoot"/>
       </p:par>
     </p:tnLst>
   </p:timing>
@@ -7491,14 +7491,14 @@
           <a:ln/>
           <a:extLst>
             <a:ext uri="{909E8E84-426E-40dd-AFC4-6F175D3DCCD1}">
-              <a14:hiddenFill xmlns:a14="http://schemas.microsoft.com/office/drawing/2010/main">
+              <a14:hiddenFill xmlns:a14="http://schemas.microsoft.com/office/drawing/2010/main" xmlns="">
                 <a:solidFill>
                   <a:srgbClr val="FFFFFF"/>
                 </a:solidFill>
               </a14:hiddenFill>
             </a:ext>
             <a:ext uri="{91240B29-F687-4f45-9708-019B960494DF}">
-              <a14:hiddenLine xmlns:a14="http://schemas.microsoft.com/office/drawing/2010/main" w="9525">
+              <a14:hiddenLine xmlns:a14="http://schemas.microsoft.com/office/drawing/2010/main" xmlns="" w="9525">
                 <a:solidFill>
                   <a:srgbClr val="000000"/>
                 </a:solidFill>
@@ -7721,7 +7721,7 @@
   <p:timing>
     <p:tnLst>
       <p:par>
-        <p:cTn xmlns:p14="http://schemas.microsoft.com/office/powerpoint/2010/main" id="1" dur="indefinite" restart="never" nodeType="tmRoot">
+        <p:cTn id="1" dur="indefinite" restart="never" nodeType="tmRoot">
           <p:childTnLst>
             <p:seq concurrent="1" nextAc="seek">
               <p:cTn id="2" dur="indefinite" nodeType="mainSeq">
@@ -8283,14 +8283,14 @@
           <a:ln/>
           <a:extLst>
             <a:ext uri="{909E8E84-426E-40dd-AFC4-6F175D3DCCD1}">
-              <a14:hiddenFill xmlns:a14="http://schemas.microsoft.com/office/drawing/2010/main">
+              <a14:hiddenFill xmlns:a14="http://schemas.microsoft.com/office/drawing/2010/main" xmlns="">
                 <a:solidFill>
                   <a:srgbClr val="FFFFFF"/>
                 </a:solidFill>
               </a14:hiddenFill>
             </a:ext>
             <a:ext uri="{91240B29-F687-4f45-9708-019B960494DF}">
-              <a14:hiddenLine xmlns:a14="http://schemas.microsoft.com/office/drawing/2010/main" w="9525">
+              <a14:hiddenLine xmlns:a14="http://schemas.microsoft.com/office/drawing/2010/main" xmlns="" w="9525">
                 <a:solidFill>
                   <a:srgbClr val="000000"/>
                 </a:solidFill>
@@ -8433,7 +8433,7 @@
   <p:timing>
     <p:tnLst>
       <p:par>
-        <p:cTn xmlns:p14="http://schemas.microsoft.com/office/powerpoint/2010/main" id="1" dur="indefinite" restart="never" nodeType="tmRoot"/>
+        <p:cTn id="1" dur="indefinite" restart="never" nodeType="tmRoot"/>
       </p:par>
     </p:tnLst>
   </p:timing>
@@ -8558,14 +8558,14 @@
           <a:ln/>
           <a:extLst>
             <a:ext uri="{909E8E84-426E-40dd-AFC4-6F175D3DCCD1}">
-              <a14:hiddenFill xmlns:a14="http://schemas.microsoft.com/office/drawing/2010/main">
+              <a14:hiddenFill xmlns:a14="http://schemas.microsoft.com/office/drawing/2010/main" xmlns="">
                 <a:solidFill>
                   <a:srgbClr val="FFFFFF"/>
                 </a:solidFill>
               </a14:hiddenFill>
             </a:ext>
             <a:ext uri="{91240B29-F687-4f45-9708-019B960494DF}">
-              <a14:hiddenLine xmlns:a14="http://schemas.microsoft.com/office/drawing/2010/main" w="9525">
+              <a14:hiddenLine xmlns:a14="http://schemas.microsoft.com/office/drawing/2010/main" xmlns="" w="9525">
                 <a:solidFill>
                   <a:srgbClr val="000000"/>
                 </a:solidFill>
@@ -8708,7 +8708,7 @@
   <p:timing>
     <p:tnLst>
       <p:par>
-        <p:cTn xmlns:p14="http://schemas.microsoft.com/office/powerpoint/2010/main" id="1" dur="indefinite" restart="never" nodeType="tmRoot"/>
+        <p:cTn id="1" dur="indefinite" restart="never" nodeType="tmRoot"/>
       </p:par>
     </p:tnLst>
   </p:timing>
@@ -8803,14 +8803,14 @@
           <a:ln/>
           <a:extLst>
             <a:ext uri="{909E8E84-426E-40dd-AFC4-6F175D3DCCD1}">
-              <a14:hiddenFill xmlns:a14="http://schemas.microsoft.com/office/drawing/2010/main">
+              <a14:hiddenFill xmlns:a14="http://schemas.microsoft.com/office/drawing/2010/main" xmlns="">
                 <a:solidFill>
                   <a:srgbClr val="FFFFFF"/>
                 </a:solidFill>
               </a14:hiddenFill>
             </a:ext>
             <a:ext uri="{91240B29-F687-4f45-9708-019B960494DF}">
-              <a14:hiddenLine xmlns:a14="http://schemas.microsoft.com/office/drawing/2010/main" w="9525">
+              <a14:hiddenLine xmlns:a14="http://schemas.microsoft.com/office/drawing/2010/main" xmlns="" w="9525">
                 <a:solidFill>
                   <a:srgbClr val="000000"/>
                 </a:solidFill>
@@ -8953,7 +8953,7 @@
   <p:timing>
     <p:tnLst>
       <p:par>
-        <p:cTn xmlns:p14="http://schemas.microsoft.com/office/powerpoint/2010/main" id="1" dur="indefinite" restart="never" nodeType="tmRoot"/>
+        <p:cTn id="1" dur="indefinite" restart="never" nodeType="tmRoot"/>
       </p:par>
     </p:tnLst>
   </p:timing>
@@ -9077,14 +9077,14 @@
           <a:ln/>
           <a:extLst>
             <a:ext uri="{909E8E84-426E-40dd-AFC4-6F175D3DCCD1}">
-              <a14:hiddenFill xmlns:a14="http://schemas.microsoft.com/office/drawing/2010/main">
+              <a14:hiddenFill xmlns:a14="http://schemas.microsoft.com/office/drawing/2010/main" xmlns="">
                 <a:solidFill>
                   <a:srgbClr val="FFFFFF"/>
                 </a:solidFill>
               </a14:hiddenFill>
             </a:ext>
             <a:ext uri="{91240B29-F687-4f45-9708-019B960494DF}">
-              <a14:hiddenLine xmlns:a14="http://schemas.microsoft.com/office/drawing/2010/main" w="9525">
+              <a14:hiddenLine xmlns:a14="http://schemas.microsoft.com/office/drawing/2010/main" xmlns="" w="9525">
                 <a:solidFill>
                   <a:srgbClr val="000000"/>
                 </a:solidFill>
@@ -9307,7 +9307,7 @@
   <p:timing>
     <p:tnLst>
       <p:par>
-        <p:cTn xmlns:p14="http://schemas.microsoft.com/office/powerpoint/2010/main" id="1" dur="indefinite" restart="never" nodeType="tmRoot"/>
+        <p:cTn id="1" dur="indefinite" restart="never" nodeType="tmRoot"/>
       </p:par>
     </p:tnLst>
   </p:timing>
@@ -9402,14 +9402,14 @@
           <a:ln/>
           <a:extLst>
             <a:ext uri="{909E8E84-426E-40dd-AFC4-6F175D3DCCD1}">
-              <a14:hiddenFill xmlns:a14="http://schemas.microsoft.com/office/drawing/2010/main">
+              <a14:hiddenFill xmlns:a14="http://schemas.microsoft.com/office/drawing/2010/main" xmlns="">
                 <a:solidFill>
                   <a:srgbClr val="FFFFFF"/>
                 </a:solidFill>
               </a14:hiddenFill>
             </a:ext>
             <a:ext uri="{91240B29-F687-4f45-9708-019B960494DF}">
-              <a14:hiddenLine xmlns:a14="http://schemas.microsoft.com/office/drawing/2010/main" w="9525">
+              <a14:hiddenLine xmlns:a14="http://schemas.microsoft.com/office/drawing/2010/main" xmlns="" w="9525">
                 <a:solidFill>
                   <a:srgbClr val="000000"/>
                 </a:solidFill>
@@ -9552,7 +9552,7 @@
   <p:timing>
     <p:tnLst>
       <p:par>
-        <p:cTn xmlns:p14="http://schemas.microsoft.com/office/powerpoint/2010/main" id="1" dur="indefinite" restart="never" nodeType="tmRoot"/>
+        <p:cTn id="1" dur="indefinite" restart="never" nodeType="tmRoot"/>
       </p:par>
     </p:tnLst>
   </p:timing>
@@ -9692,14 +9692,14 @@
           <a:ln/>
           <a:extLst>
             <a:ext uri="{909E8E84-426E-40dd-AFC4-6F175D3DCCD1}">
-              <a14:hiddenFill xmlns:a14="http://schemas.microsoft.com/office/drawing/2010/main">
+              <a14:hiddenFill xmlns:a14="http://schemas.microsoft.com/office/drawing/2010/main" xmlns="">
                 <a:solidFill>
                   <a:srgbClr val="FFFFFF"/>
                 </a:solidFill>
               </a14:hiddenFill>
             </a:ext>
             <a:ext uri="{91240B29-F687-4f45-9708-019B960494DF}">
-              <a14:hiddenLine xmlns:a14="http://schemas.microsoft.com/office/drawing/2010/main" w="9525">
+              <a14:hiddenLine xmlns:a14="http://schemas.microsoft.com/office/drawing/2010/main" xmlns="" w="9525">
                 <a:solidFill>
                   <a:srgbClr val="000000"/>
                 </a:solidFill>
@@ -9842,7 +9842,7 @@
   <p:timing>
     <p:tnLst>
       <p:par>
-        <p:cTn xmlns:p14="http://schemas.microsoft.com/office/powerpoint/2010/main" id="1" dur="indefinite" restart="never" nodeType="tmRoot"/>
+        <p:cTn id="1" dur="indefinite" restart="never" nodeType="tmRoot"/>
       </p:par>
     </p:tnLst>
   </p:timing>
@@ -9942,14 +9942,14 @@
           <a:ln/>
           <a:extLst>
             <a:ext uri="{909E8E84-426E-40dd-AFC4-6F175D3DCCD1}">
-              <a14:hiddenFill xmlns:a14="http://schemas.microsoft.com/office/drawing/2010/main">
+              <a14:hiddenFill xmlns:a14="http://schemas.microsoft.com/office/drawing/2010/main" xmlns="">
                 <a:solidFill>
                   <a:srgbClr val="FFFFFF"/>
                 </a:solidFill>
               </a14:hiddenFill>
             </a:ext>
             <a:ext uri="{91240B29-F687-4f45-9708-019B960494DF}">
-              <a14:hiddenLine xmlns:a14="http://schemas.microsoft.com/office/drawing/2010/main" w="9525">
+              <a14:hiddenLine xmlns:a14="http://schemas.microsoft.com/office/drawing/2010/main" xmlns="" w="9525">
                 <a:solidFill>
                   <a:srgbClr val="000000"/>
                 </a:solidFill>
@@ -10172,7 +10172,7 @@
   <p:timing>
     <p:tnLst>
       <p:par>
-        <p:cTn xmlns:p14="http://schemas.microsoft.com/office/powerpoint/2010/main" id="1" dur="indefinite" restart="never" nodeType="tmRoot"/>
+        <p:cTn id="1" dur="indefinite" restart="never" nodeType="tmRoot"/>
       </p:par>
     </p:tnLst>
   </p:timing>
@@ -10277,14 +10277,14 @@
           <a:ln/>
           <a:extLst>
             <a:ext uri="{909E8E84-426E-40dd-AFC4-6F175D3DCCD1}">
-              <a14:hiddenFill xmlns:a14="http://schemas.microsoft.com/office/drawing/2010/main">
+              <a14:hiddenFill xmlns:a14="http://schemas.microsoft.com/office/drawing/2010/main" xmlns="">
                 <a:solidFill>
                   <a:srgbClr val="FFFFFF"/>
                 </a:solidFill>
               </a14:hiddenFill>
             </a:ext>
             <a:ext uri="{91240B29-F687-4f45-9708-019B960494DF}">
-              <a14:hiddenLine xmlns:a14="http://schemas.microsoft.com/office/drawing/2010/main" w="9525">
+              <a14:hiddenLine xmlns:a14="http://schemas.microsoft.com/office/drawing/2010/main" xmlns="" w="9525">
                 <a:solidFill>
                   <a:srgbClr val="000000"/>
                 </a:solidFill>
@@ -10507,7 +10507,7 @@
   <p:timing>
     <p:tnLst>
       <p:par>
-        <p:cTn xmlns:p14="http://schemas.microsoft.com/office/powerpoint/2010/main" id="1" dur="indefinite" restart="never" nodeType="tmRoot"/>
+        <p:cTn id="1" dur="indefinite" restart="never" nodeType="tmRoot"/>
       </p:par>
     </p:tnLst>
   </p:timing>
@@ -10624,14 +10624,14 @@
           <a:ln/>
           <a:extLst>
             <a:ext uri="{909E8E84-426E-40dd-AFC4-6F175D3DCCD1}">
-              <a14:hiddenFill xmlns:a14="http://schemas.microsoft.com/office/drawing/2010/main">
+              <a14:hiddenFill xmlns:a14="http://schemas.microsoft.com/office/drawing/2010/main" xmlns="">
                 <a:solidFill>
                   <a:srgbClr val="FFFFFF"/>
                 </a:solidFill>
               </a14:hiddenFill>
             </a:ext>
             <a:ext uri="{91240B29-F687-4f45-9708-019B960494DF}">
-              <a14:hiddenLine xmlns:a14="http://schemas.microsoft.com/office/drawing/2010/main" w="9525">
+              <a14:hiddenLine xmlns:a14="http://schemas.microsoft.com/office/drawing/2010/main" xmlns="" w="9525">
                 <a:solidFill>
                   <a:srgbClr val="000000"/>
                 </a:solidFill>
@@ -10854,7 +10854,7 @@
   <p:timing>
     <p:tnLst>
       <p:par>
-        <p:cTn xmlns:p14="http://schemas.microsoft.com/office/powerpoint/2010/main" id="1" dur="indefinite" restart="never" nodeType="tmRoot"/>
+        <p:cTn id="1" dur="indefinite" restart="never" nodeType="tmRoot"/>
       </p:par>
     </p:tnLst>
   </p:timing>
@@ -10923,30 +10923,48 @@
           <a:p>
             <a:pPr lvl="1"/>
             <a:r>
-              <a:rPr lang="en-US" altLang="en-US" sz="2400" dirty="0" smtClean="0"/>
+              <a:rPr lang="en-US" altLang="en-US" sz="2400" dirty="0" smtClean="0">
+                <a:hlinkClick r:id="rId2"/>
+              </a:rPr>
               <a:t>IEEE Transactions on Software Engineering</a:t>
             </a:r>
+            <a:endParaRPr lang="en-US" altLang="en-US" sz="2400" dirty="0" smtClean="0"/>
           </a:p>
           <a:p>
             <a:pPr lvl="1"/>
             <a:r>
-              <a:rPr lang="en-US" altLang="en-US" sz="2400" dirty="0" smtClean="0"/>
-              <a:t>ACM Transactions on Software Engineering Methodologies</a:t>
-            </a:r>
+              <a:rPr lang="en-US" altLang="en-US" sz="2400" dirty="0" smtClean="0">
+                <a:hlinkClick r:id="rId3"/>
+              </a:rPr>
+              <a:t>ACM Transactions on Software Engineering </a:t>
+            </a:r>
+            <a:r>
+              <a:rPr lang="en-US" altLang="en-US" sz="2400" dirty="0" smtClean="0">
+                <a:hlinkClick r:id="rId3"/>
+              </a:rPr>
+              <a:t>and Methodology</a:t>
+            </a:r>
+            <a:endParaRPr lang="en-US" altLang="en-US" sz="2400" dirty="0" smtClean="0"/>
           </a:p>
           <a:p>
             <a:pPr lvl="1"/>
             <a:r>
-              <a:rPr lang="en-US" altLang="en-US" sz="2400" dirty="0" smtClean="0"/>
+              <a:rPr lang="en-US" altLang="en-US" sz="2400" dirty="0" smtClean="0">
+                <a:hlinkClick r:id="rId4"/>
+              </a:rPr>
               <a:t>Proceedings of IEEE/ACM International Conference on Software Engineering (ICSE)</a:t>
             </a:r>
+            <a:endParaRPr lang="en-US" altLang="en-US" sz="2400" dirty="0" smtClean="0"/>
           </a:p>
           <a:p>
             <a:pPr lvl="1"/>
             <a:r>
-              <a:rPr lang="en-US" altLang="en-US" sz="2400" dirty="0" smtClean="0"/>
+              <a:rPr lang="en-US" altLang="en-US" sz="2400" dirty="0" smtClean="0">
+                <a:hlinkClick r:id="rId5"/>
+              </a:rPr>
               <a:t>Proceedings of ACM SIGSOFT Symposium on the Foundations of Software Engineering (FSE)</a:t>
             </a:r>
+            <a:endParaRPr lang="en-US" altLang="en-US" sz="2400" dirty="0" smtClean="0"/>
           </a:p>
           <a:p>
             <a:pPr lvl="1"/>
@@ -10972,14 +10990,14 @@
           <a:ln/>
           <a:extLst>
             <a:ext uri="{909E8E84-426E-40dd-AFC4-6F175D3DCCD1}">
-              <a14:hiddenFill xmlns:a14="http://schemas.microsoft.com/office/drawing/2010/main">
+              <a14:hiddenFill xmlns:a14="http://schemas.microsoft.com/office/drawing/2010/main" xmlns="">
                 <a:solidFill>
                   <a:srgbClr val="FFFFFF"/>
                 </a:solidFill>
               </a14:hiddenFill>
             </a:ext>
             <a:ext uri="{91240B29-F687-4f45-9708-019B960494DF}">
-              <a14:hiddenLine xmlns:a14="http://schemas.microsoft.com/office/drawing/2010/main" w="9525">
+              <a14:hiddenLine xmlns:a14="http://schemas.microsoft.com/office/drawing/2010/main" xmlns="" w="9525">
                 <a:solidFill>
                   <a:srgbClr val="000000"/>
                 </a:solidFill>
@@ -11122,7 +11140,7 @@
   <p:timing>
     <p:tnLst>
       <p:par>
-        <p:cTn xmlns:p14="http://schemas.microsoft.com/office/powerpoint/2010/main" id="1" dur="indefinite" restart="never" nodeType="tmRoot"/>
+        <p:cTn id="1" dur="indefinite" restart="never" nodeType="tmRoot"/>
       </p:par>
     </p:tnLst>
   </p:timing>
@@ -11270,14 +11288,14 @@
           <a:ln/>
           <a:extLst>
             <a:ext uri="{909E8E84-426E-40dd-AFC4-6F175D3DCCD1}">
-              <a14:hiddenFill xmlns:a14="http://schemas.microsoft.com/office/drawing/2010/main">
+              <a14:hiddenFill xmlns:a14="http://schemas.microsoft.com/office/drawing/2010/main" xmlns="">
                 <a:solidFill>
                   <a:srgbClr val="FFFFFF"/>
                 </a:solidFill>
               </a14:hiddenFill>
             </a:ext>
             <a:ext uri="{91240B29-F687-4f45-9708-019B960494DF}">
-              <a14:hiddenLine xmlns:a14="http://schemas.microsoft.com/office/drawing/2010/main" w="9525">
+              <a14:hiddenLine xmlns:a14="http://schemas.microsoft.com/office/drawing/2010/main" xmlns="" w="9525">
                 <a:solidFill>
                   <a:srgbClr val="000000"/>
                 </a:solidFill>
@@ -11500,7 +11518,7 @@
   <p:timing>
     <p:tnLst>
       <p:par>
-        <p:cTn xmlns:p14="http://schemas.microsoft.com/office/powerpoint/2010/main" id="1" dur="indefinite" restart="never" nodeType="tmRoot">
+        <p:cTn id="1" dur="indefinite" restart="never" nodeType="tmRoot">
           <p:childTnLst>
             <p:seq concurrent="1" nextAc="seek">
               <p:cTn id="2" dur="indefinite" nodeType="mainSeq">
@@ -12598,14 +12616,14 @@
           <a:ln/>
           <a:extLst>
             <a:ext uri="{909E8E84-426E-40dd-AFC4-6F175D3DCCD1}">
-              <a14:hiddenFill xmlns:a14="http://schemas.microsoft.com/office/drawing/2010/main">
+              <a14:hiddenFill xmlns:a14="http://schemas.microsoft.com/office/drawing/2010/main" xmlns="">
                 <a:solidFill>
                   <a:srgbClr val="FFFFFF"/>
                 </a:solidFill>
               </a14:hiddenFill>
             </a:ext>
             <a:ext uri="{91240B29-F687-4f45-9708-019B960494DF}">
-              <a14:hiddenLine xmlns:a14="http://schemas.microsoft.com/office/drawing/2010/main" w="9525">
+              <a14:hiddenLine xmlns:a14="http://schemas.microsoft.com/office/drawing/2010/main" xmlns="" w="9525">
                 <a:solidFill>
                   <a:srgbClr val="000000"/>
                 </a:solidFill>
@@ -12828,7 +12846,7 @@
   <p:timing>
     <p:tnLst>
       <p:par>
-        <p:cTn xmlns:p14="http://schemas.microsoft.com/office/powerpoint/2010/main" id="1" dur="indefinite" restart="never" nodeType="tmRoot"/>
+        <p:cTn id="1" dur="indefinite" restart="never" nodeType="tmRoot"/>
       </p:par>
     </p:tnLst>
   </p:timing>
@@ -12956,14 +12974,14 @@
           <a:ln/>
           <a:extLst>
             <a:ext uri="{909E8E84-426E-40dd-AFC4-6F175D3DCCD1}">
-              <a14:hiddenFill xmlns:a14="http://schemas.microsoft.com/office/drawing/2010/main">
+              <a14:hiddenFill xmlns:a14="http://schemas.microsoft.com/office/drawing/2010/main" xmlns="">
                 <a:solidFill>
                   <a:srgbClr val="FFFFFF"/>
                 </a:solidFill>
               </a14:hiddenFill>
             </a:ext>
             <a:ext uri="{91240B29-F687-4f45-9708-019B960494DF}">
-              <a14:hiddenLine xmlns:a14="http://schemas.microsoft.com/office/drawing/2010/main" w="9525">
+              <a14:hiddenLine xmlns:a14="http://schemas.microsoft.com/office/drawing/2010/main" xmlns="" w="9525">
                 <a:solidFill>
                   <a:srgbClr val="000000"/>
                 </a:solidFill>
@@ -13186,7 +13204,7 @@
   <p:timing>
     <p:tnLst>
       <p:par>
-        <p:cTn xmlns:p14="http://schemas.microsoft.com/office/powerpoint/2010/main" id="1" dur="indefinite" restart="never" nodeType="tmRoot">
+        <p:cTn id="1" dur="indefinite" restart="never" nodeType="tmRoot">
           <p:childTnLst>
             <p:seq concurrent="1" nextAc="seek">
               <p:cTn id="2" dur="indefinite" nodeType="mainSeq">
